--- a/Lunar Lander.pptx
+++ b/Lunar Lander.pptx
@@ -3181,63 +3181,6 @@
       </p:sp>
       <p:sp>
         <p:nvSpPr>
-          <p:cNvPr id="256" name="Google Shape;256;p39"/>
-          <p:cNvSpPr txBox="1">
-            <a:spLocks noGrp="1"/>
-          </p:cNvSpPr>
-          <p:nvPr>
-            <p:ph type="subTitle" idx="1"/>
-          </p:nvPr>
-        </p:nvSpPr>
-        <p:spPr>
-          <a:xfrm>
-            <a:off x="-1779382" y="4245786"/>
-            <a:ext cx="7064100" cy="441900"/>
-          </a:xfrm>
-          <a:prstGeom prst="rect">
-            <a:avLst/>
-          </a:prstGeom>
-        </p:spPr>
-        <p:txBody>
-          <a:bodyPr spcFirstLastPara="1" wrap="square" lIns="91425" tIns="91425" rIns="91425" bIns="91425" anchor="t" anchorCtr="0">
-            <a:noAutofit/>
-          </a:bodyPr>
-          <a:lstStyle/>
-          <a:p>
-            <a:pPr marL="0" lvl="0" indent="0" algn="ctr" rtl="0">
-              <a:spcBef>
-                <a:spcPts val="0"/>
-              </a:spcBef>
-              <a:spcAft>
-                <a:spcPts val="0"/>
-              </a:spcAft>
-              <a:buNone/>
-            </a:pPr>
-            <a:r>
-              <a:rPr lang="en-SG" dirty="0"/>
-              <a:t>Lim Hur 2112589 Yee Hang 2112675</a:t>
-            </a:r>
-          </a:p>
-          <a:p>
-            <a:pPr marL="0" lvl="0" indent="0" algn="ctr" rtl="0">
-              <a:spcBef>
-                <a:spcPts val="0"/>
-              </a:spcBef>
-              <a:spcAft>
-                <a:spcPts val="0"/>
-              </a:spcAft>
-              <a:buNone/>
-            </a:pPr>
-            <a:r>
-              <a:rPr lang="en-SG" dirty="0"/>
-              <a:t>DAAA2B02</a:t>
-            </a:r>
-            <a:endParaRPr dirty="0"/>
-          </a:p>
-        </p:txBody>
-      </p:sp>
-      <p:sp>
-        <p:nvSpPr>
           <p:cNvPr id="2" name="TextBox 1">
             <a:extLst>
               <a:ext uri="{FF2B5EF4-FFF2-40B4-BE49-F238E27FC236}">
@@ -3320,6 +3263,31 @@
               <a:t>2. Investigate applications of reinforcement learning algorithms</a:t>
             </a:r>
             <a:endParaRPr lang="en-SG" dirty="0"/>
+          </a:p>
+        </p:txBody>
+      </p:sp>
+      <p:sp>
+        <p:nvSpPr>
+          <p:cNvPr id="4" name="Subtitle 3">
+            <a:extLst>
+              <a:ext uri="{FF2B5EF4-FFF2-40B4-BE49-F238E27FC236}">
+                <a16:creationId xmlns:a16="http://schemas.microsoft.com/office/drawing/2014/main" id="{32FD55AF-ED85-0554-C024-AA14870C3CA8}"/>
+              </a:ext>
+            </a:extLst>
+          </p:cNvPr>
+          <p:cNvSpPr>
+            <a:spLocks noGrp="1"/>
+          </p:cNvSpPr>
+          <p:nvPr>
+            <p:ph type="subTitle" idx="1"/>
+          </p:nvPr>
+        </p:nvSpPr>
+        <p:spPr/>
+        <p:txBody>
+          <a:bodyPr/>
+          <a:lstStyle/>
+          <a:p>
+            <a:endParaRPr lang="en-SG"/>
           </a:p>
         </p:txBody>
       </p:sp>
